--- a/database/4강 SQL 기본 구조.pptx
+++ b/database/4강 SQL 기본 구조.pptx
@@ -323,7 +323,7 @@
                 </a:solidFill>
               </a:rPr>
               <a:pPr/>
-              <a:t>2022-05-30</a:t>
+              <a:t>2022-06-01</a:t>
             </a:fld>
             <a:endParaRPr lang="ko-KR" altLang="en-US">
               <a:solidFill>
@@ -553,7 +553,7 @@
                 </a:solidFill>
               </a:rPr>
               <a:pPr/>
-              <a:t>2022-05-30</a:t>
+              <a:t>2022-06-01</a:t>
             </a:fld>
             <a:endParaRPr lang="ko-KR" altLang="en-US">
               <a:solidFill>
@@ -793,7 +793,7 @@
                 </a:solidFill>
               </a:rPr>
               <a:pPr/>
-              <a:t>2022-05-30</a:t>
+              <a:t>2022-06-01</a:t>
             </a:fld>
             <a:endParaRPr lang="ko-KR" altLang="en-US">
               <a:solidFill>
@@ -1025,7 +1025,7 @@
                 <a:latin typeface="맑은 고딕" charset="0"/>
                 <a:ea typeface="맑은 고딕" charset="0"/>
               </a:rPr>
-              <a:t>2022-05-30</a:t>
+              <a:t>2022-06-01</a:t>
             </a:fld>
             <a:endParaRPr lang="ko-KR" altLang="en-US">
               <a:solidFill>
@@ -1304,7 +1304,7 @@
                 <a:latin typeface="맑은 고딕" charset="0"/>
                 <a:ea typeface="맑은 고딕" charset="0"/>
               </a:rPr>
-              <a:t>2022-05-30</a:t>
+              <a:t>2022-06-01</a:t>
             </a:fld>
             <a:endParaRPr lang="ko-KR" altLang="en-US">
               <a:solidFill>
@@ -1546,7 +1546,7 @@
                 <a:latin typeface="맑은 고딕" charset="0"/>
                 <a:ea typeface="맑은 고딕" charset="0"/>
               </a:rPr>
-              <a:t>2022-05-30</a:t>
+              <a:t>2022-06-01</a:t>
             </a:fld>
             <a:endParaRPr lang="ko-KR" altLang="en-US">
               <a:solidFill>
@@ -1901,7 +1901,7 @@
                 <a:latin typeface="맑은 고딕" charset="0"/>
                 <a:ea typeface="맑은 고딕" charset="0"/>
               </a:rPr>
-              <a:t>2022-05-30</a:t>
+              <a:t>2022-06-01</a:t>
             </a:fld>
             <a:endParaRPr lang="ko-KR" altLang="en-US">
               <a:solidFill>
@@ -2334,7 +2334,7 @@
                 <a:latin typeface="맑은 고딕" charset="0"/>
                 <a:ea typeface="맑은 고딕" charset="0"/>
               </a:rPr>
-              <a:t>2022-05-30</a:t>
+              <a:t>2022-06-01</a:t>
             </a:fld>
             <a:endParaRPr lang="ko-KR" altLang="en-US">
               <a:solidFill>
@@ -2537,7 +2537,7 @@
                 <a:latin typeface="맑은 고딕" charset="0"/>
                 <a:ea typeface="맑은 고딕" charset="0"/>
               </a:rPr>
-              <a:t>2022-05-30</a:t>
+              <a:t>2022-06-01</a:t>
             </a:fld>
             <a:endParaRPr lang="ko-KR" altLang="en-US">
               <a:solidFill>
@@ -2701,7 +2701,7 @@
                 <a:latin typeface="맑은 고딕" charset="0"/>
                 <a:ea typeface="맑은 고딕" charset="0"/>
               </a:rPr>
-              <a:t>2022-05-30</a:t>
+              <a:t>2022-06-01</a:t>
             </a:fld>
             <a:endParaRPr lang="ko-KR" altLang="en-US">
               <a:solidFill>
@@ -3019,7 +3019,7 @@
                 <a:latin typeface="맑은 고딕" charset="0"/>
                 <a:ea typeface="맑은 고딕" charset="0"/>
               </a:rPr>
-              <a:t>2022-05-30</a:t>
+              <a:t>2022-06-01</a:t>
             </a:fld>
             <a:endParaRPr lang="ko-KR" altLang="en-US">
               <a:solidFill>
@@ -3259,7 +3259,7 @@
                 </a:solidFill>
               </a:rPr>
               <a:pPr/>
-              <a:t>2022-05-30</a:t>
+              <a:t>2022-06-01</a:t>
             </a:fld>
             <a:endParaRPr lang="ko-KR" altLang="en-US">
               <a:solidFill>
@@ -3511,7 +3511,7 @@
                 <a:latin typeface="맑은 고딕" charset="0"/>
                 <a:ea typeface="맑은 고딕" charset="0"/>
               </a:rPr>
-              <a:t>2022-05-30</a:t>
+              <a:t>2022-06-01</a:t>
             </a:fld>
             <a:endParaRPr lang="ko-KR" altLang="en-US">
               <a:solidFill>
@@ -3790,7 +3790,7 @@
                 <a:latin typeface="맑은 고딕" charset="0"/>
                 <a:ea typeface="맑은 고딕" charset="0"/>
               </a:rPr>
-              <a:t>2022-05-30</a:t>
+              <a:t>2022-06-01</a:t>
             </a:fld>
             <a:endParaRPr lang="ko-KR" altLang="en-US">
               <a:solidFill>
@@ -4069,7 +4069,7 @@
                 <a:latin typeface="맑은 고딕" charset="0"/>
                 <a:ea typeface="맑은 고딕" charset="0"/>
               </a:rPr>
-              <a:t>2022-05-30</a:t>
+              <a:t>2022-06-01</a:t>
             </a:fld>
             <a:endParaRPr lang="ko-KR" altLang="en-US">
               <a:solidFill>
@@ -4386,7 +4386,7 @@
                 </a:solidFill>
               </a:rPr>
               <a:pPr/>
-              <a:t>2022-05-30</a:t>
+              <a:t>2022-06-01</a:t>
             </a:fld>
             <a:endParaRPr lang="ko-KR" altLang="en-US">
               <a:solidFill>
@@ -4683,7 +4683,7 @@
                 </a:solidFill>
               </a:rPr>
               <a:pPr/>
-              <a:t>2022-05-30</a:t>
+              <a:t>2022-06-01</a:t>
             </a:fld>
             <a:endParaRPr lang="ko-KR" altLang="en-US">
               <a:solidFill>
@@ -5127,7 +5127,7 @@
                 </a:solidFill>
               </a:rPr>
               <a:pPr/>
-              <a:t>2022-05-30</a:t>
+              <a:t>2022-06-01</a:t>
             </a:fld>
             <a:endParaRPr lang="ko-KR" altLang="en-US">
               <a:solidFill>
@@ -5300,7 +5300,7 @@
                 </a:solidFill>
               </a:rPr>
               <a:pPr/>
-              <a:t>2022-05-30</a:t>
+              <a:t>2022-06-01</a:t>
             </a:fld>
             <a:endParaRPr lang="ko-KR" altLang="en-US">
               <a:solidFill>
@@ -5445,7 +5445,7 @@
                 </a:solidFill>
               </a:rPr>
               <a:pPr/>
-              <a:t>2022-05-30</a:t>
+              <a:t>2022-06-01</a:t>
             </a:fld>
             <a:endParaRPr lang="ko-KR" altLang="en-US">
               <a:solidFill>
@@ -6814,7 +6814,7 @@
                 </a:solidFill>
               </a:rPr>
               <a:pPr/>
-              <a:t>2022-05-30</a:t>
+              <a:t>2022-06-01</a:t>
             </a:fld>
             <a:endParaRPr lang="ko-KR" altLang="en-US">
               <a:solidFill>
@@ -7134,7 +7134,7 @@
                 </a:solidFill>
               </a:rPr>
               <a:pPr/>
-              <a:t>2022-05-30</a:t>
+              <a:t>2022-06-01</a:t>
             </a:fld>
             <a:endParaRPr lang="ko-KR" altLang="en-US">
               <a:solidFill>
@@ -7407,7 +7407,7 @@
                 </a:solidFill>
               </a:rPr>
               <a:pPr/>
-              <a:t>2022-05-30</a:t>
+              <a:t>2022-06-01</a:t>
             </a:fld>
             <a:endParaRPr lang="ko-KR" altLang="en-US">
               <a:solidFill>
@@ -8008,7 +8008,7 @@
                 <a:latin typeface="맑은 고딕" charset="0"/>
                 <a:ea typeface="맑은 고딕" charset="0"/>
               </a:rPr>
-              <a:t>2022-05-30</a:t>
+              <a:t>2022-06-01</a:t>
             </a:fld>
             <a:endParaRPr lang="ko-KR" altLang="en-US">
               <a:solidFill>
@@ -8337,7 +8337,7 @@
               <a:buNone/>
             </a:pPr>
             <a:r>
-              <a:rPr lang="en-US" altLang="ko-KR" b="1" dirty="0" smtClean="0">
+              <a:rPr lang="en-US" altLang="ko-KR" b="1" dirty="0">
                 <a:solidFill>
                   <a:srgbClr val="FFFFFF"/>
                 </a:solidFill>
@@ -8345,7 +8345,7 @@
               <a:t>SQL</a:t>
             </a:r>
             <a:r>
-              <a:rPr lang="ko-KR" altLang="en-US" b="1" dirty="0" smtClean="0">
+              <a:rPr lang="ko-KR" altLang="en-US" b="1" dirty="0">
                 <a:solidFill>
                   <a:srgbClr val="FFFFFF"/>
                 </a:solidFill>
@@ -8546,10 +8546,9 @@
           <a:lstStyle/>
           <a:p>
             <a:r>
-              <a:rPr lang="en-US" altLang="ko-KR" dirty="0" smtClean="0"/>
+              <a:rPr lang="en-US" altLang="ko-KR" dirty="0"/>
               <a:t>DML (Data Manipulation Language)</a:t>
             </a:r>
-            <a:endParaRPr lang="en-US" altLang="ko-KR" dirty="0"/>
           </a:p>
         </p:txBody>
       </p:sp>
@@ -8618,7 +8617,7 @@
               <a:buNone/>
             </a:pPr>
             <a:r>
-              <a:rPr lang="en-US" altLang="ko-KR" b="1" dirty="0" smtClean="0">
+              <a:rPr lang="en-US" altLang="ko-KR" b="1" dirty="0">
                 <a:solidFill>
                   <a:srgbClr val="FFFFFF"/>
                 </a:solidFill>
@@ -8626,7 +8625,7 @@
               <a:t>SQL</a:t>
             </a:r>
             <a:r>
-              <a:rPr lang="ko-KR" altLang="en-US" b="1" dirty="0" smtClean="0">
+              <a:rPr lang="ko-KR" altLang="en-US" b="1" dirty="0">
                 <a:solidFill>
                   <a:srgbClr val="FFFFFF"/>
                 </a:solidFill>
@@ -8776,10 +8775,9 @@
           <a:lstStyle/>
           <a:p>
             <a:r>
-              <a:rPr lang="en-US" altLang="ko-KR" dirty="0" smtClean="0"/>
+              <a:rPr lang="en-US" altLang="ko-KR" dirty="0"/>
               <a:t>DML (Data Manipulation Language)</a:t>
             </a:r>
-            <a:endParaRPr lang="en-US" altLang="ko-KR" dirty="0"/>
           </a:p>
         </p:txBody>
       </p:sp>
@@ -8848,7 +8846,7 @@
               <a:buNone/>
             </a:pPr>
             <a:r>
-              <a:rPr lang="en-US" altLang="ko-KR" b="1" dirty="0" smtClean="0">
+              <a:rPr lang="en-US" altLang="ko-KR" b="1" dirty="0">
                 <a:solidFill>
                   <a:srgbClr val="FFFFFF"/>
                 </a:solidFill>
@@ -8856,7 +8854,7 @@
               <a:t>SQL</a:t>
             </a:r>
             <a:r>
-              <a:rPr lang="ko-KR" altLang="en-US" b="1" dirty="0" smtClean="0">
+              <a:rPr lang="ko-KR" altLang="en-US" b="1" dirty="0">
                 <a:solidFill>
                   <a:srgbClr val="FFFFFF"/>
                 </a:solidFill>
@@ -8990,10 +8988,9 @@
           <a:lstStyle/>
           <a:p>
             <a:r>
-              <a:rPr lang="en-US" altLang="ko-KR" dirty="0" smtClean="0"/>
+              <a:rPr lang="en-US" altLang="ko-KR" dirty="0"/>
               <a:t>DML (Data Manipulation Language)</a:t>
             </a:r>
-            <a:endParaRPr lang="en-US" altLang="ko-KR" dirty="0"/>
           </a:p>
         </p:txBody>
       </p:sp>
@@ -9062,7 +9059,7 @@
               <a:buNone/>
             </a:pPr>
             <a:r>
-              <a:rPr lang="en-US" altLang="ko-KR" b="1" dirty="0" smtClean="0">
+              <a:rPr lang="en-US" altLang="ko-KR" b="1" dirty="0">
                 <a:solidFill>
                   <a:srgbClr val="FFFFFF"/>
                 </a:solidFill>
@@ -9070,7 +9067,7 @@
               <a:t>SQL</a:t>
             </a:r>
             <a:r>
-              <a:rPr lang="ko-KR" altLang="en-US" b="1" dirty="0" smtClean="0">
+              <a:rPr lang="ko-KR" altLang="en-US" b="1" dirty="0">
                 <a:solidFill>
                   <a:srgbClr val="FFFFFF"/>
                 </a:solidFill>
@@ -9200,10 +9197,9 @@
           <a:lstStyle/>
           <a:p>
             <a:r>
-              <a:rPr lang="en-US" altLang="ko-KR" dirty="0" smtClean="0"/>
+              <a:rPr lang="en-US" altLang="ko-KR" dirty="0"/>
               <a:t>DCL (Data Control Language)</a:t>
             </a:r>
-            <a:endParaRPr lang="en-US" altLang="ko-KR" dirty="0"/>
           </a:p>
         </p:txBody>
       </p:sp>
@@ -9272,7 +9268,7 @@
               <a:buNone/>
             </a:pPr>
             <a:r>
-              <a:rPr lang="en-US" altLang="ko-KR" b="1" dirty="0" smtClean="0">
+              <a:rPr lang="en-US" altLang="ko-KR" b="1" dirty="0">
                 <a:solidFill>
                   <a:srgbClr val="FFFFFF"/>
                 </a:solidFill>
@@ -9280,7 +9276,7 @@
               <a:t>SQL</a:t>
             </a:r>
             <a:r>
-              <a:rPr lang="ko-KR" altLang="en-US" b="1" dirty="0" smtClean="0">
+              <a:rPr lang="ko-KR" altLang="en-US" b="1" dirty="0">
                 <a:solidFill>
                   <a:srgbClr val="FFFFFF"/>
                 </a:solidFill>
@@ -9410,10 +9406,9 @@
           <a:lstStyle/>
           <a:p>
             <a:r>
-              <a:rPr lang="en-US" altLang="ko-KR" dirty="0" smtClean="0"/>
+              <a:rPr lang="en-US" altLang="ko-KR" dirty="0"/>
               <a:t>DCL (Data Control Language)</a:t>
             </a:r>
-            <a:endParaRPr lang="en-US" altLang="ko-KR" dirty="0"/>
           </a:p>
         </p:txBody>
       </p:sp>
@@ -9482,7 +9477,7 @@
               <a:buNone/>
             </a:pPr>
             <a:r>
-              <a:rPr lang="en-US" altLang="ko-KR" b="1" dirty="0" smtClean="0">
+              <a:rPr lang="en-US" altLang="ko-KR" b="1" dirty="0">
                 <a:solidFill>
                   <a:srgbClr val="FFFFFF"/>
                 </a:solidFill>
@@ -9490,7 +9485,7 @@
               <a:t>SQL</a:t>
             </a:r>
             <a:r>
-              <a:rPr lang="ko-KR" altLang="en-US" b="1" dirty="0" smtClean="0">
+              <a:rPr lang="ko-KR" altLang="en-US" b="1" dirty="0">
                 <a:solidFill>
                   <a:srgbClr val="FFFFFF"/>
                 </a:solidFill>
@@ -9605,13 +9600,8 @@
           <a:p>
             <a:r>
               <a:rPr lang="en-US" altLang="ko-KR" dirty="0"/>
-              <a:t>T</a:t>
-            </a:r>
-            <a:r>
-              <a:rPr lang="en-US" altLang="ko-KR" dirty="0" smtClean="0"/>
-              <a:t>CL (Transaction Control Language)</a:t>
-            </a:r>
-            <a:endParaRPr lang="en-US" altLang="ko-KR" dirty="0"/>
+              <a:t>TCL (Transaction Control Language)</a:t>
+            </a:r>
           </a:p>
         </p:txBody>
       </p:sp>
@@ -9680,7 +9670,7 @@
               <a:buNone/>
             </a:pPr>
             <a:r>
-              <a:rPr lang="en-US" altLang="ko-KR" b="1" dirty="0" smtClean="0">
+              <a:rPr lang="en-US" altLang="ko-KR" b="1" dirty="0">
                 <a:solidFill>
                   <a:srgbClr val="FFFFFF"/>
                 </a:solidFill>
@@ -9688,7 +9678,7 @@
               <a:t>SQL</a:t>
             </a:r>
             <a:r>
-              <a:rPr lang="ko-KR" altLang="en-US" b="1" dirty="0" smtClean="0">
+              <a:rPr lang="ko-KR" altLang="en-US" b="1" dirty="0">
                 <a:solidFill>
                   <a:srgbClr val="FFFFFF"/>
                 </a:solidFill>
@@ -9803,13 +9793,8 @@
           <a:p>
             <a:r>
               <a:rPr lang="en-US" altLang="ko-KR" dirty="0"/>
-              <a:t>T</a:t>
-            </a:r>
-            <a:r>
-              <a:rPr lang="en-US" altLang="ko-KR" dirty="0" smtClean="0"/>
-              <a:t>CL (Transaction Control Language)</a:t>
-            </a:r>
-            <a:endParaRPr lang="en-US" altLang="ko-KR" dirty="0"/>
+              <a:t>TCL (Transaction Control Language)</a:t>
+            </a:r>
           </a:p>
         </p:txBody>
       </p:sp>
@@ -9878,7 +9863,7 @@
               <a:buNone/>
             </a:pPr>
             <a:r>
-              <a:rPr lang="en-US" altLang="ko-KR" b="1" dirty="0" smtClean="0">
+              <a:rPr lang="en-US" altLang="ko-KR" b="1" dirty="0">
                 <a:solidFill>
                   <a:srgbClr val="FFFFFF"/>
                 </a:solidFill>
@@ -9886,7 +9871,7 @@
               <a:t>SQL</a:t>
             </a:r>
             <a:r>
-              <a:rPr lang="ko-KR" altLang="en-US" b="1" dirty="0" smtClean="0">
+              <a:rPr lang="ko-KR" altLang="en-US" b="1" dirty="0">
                 <a:solidFill>
                   <a:srgbClr val="FFFFFF"/>
                 </a:solidFill>
@@ -9908,7 +9893,7 @@
         <p:spPr>
           <a:xfrm>
             <a:off x="357042" y="1643087"/>
-            <a:ext cx="11438717" cy="2421625"/>
+            <a:ext cx="11438717" cy="2975623"/>
           </a:xfrm>
           <a:prstGeom prst="rect">
             <a:avLst/>
@@ -9943,7 +9928,7 @@
             </a:pPr>
             <a:r>
               <a:rPr lang="ko-KR" altLang="en-US" sz="2400" dirty="0"/>
-              <a:t>진행 중인 작업을 취소한다</a:t>
+              <a:t>진행 중인 작업을 지정한 포인트 까지만 취소한다</a:t>
             </a:r>
             <a:r>
               <a:rPr lang="en-US" altLang="ko-KR" sz="2400" dirty="0"/>
@@ -9981,7 +9966,28 @@
               <a:t> </a:t>
             </a:r>
             <a:r>
-              <a:rPr lang="ko-KR" altLang="en-US" sz="2400" dirty="0" err="1"/>
+              <a:rPr lang="ko-KR" altLang="en-US" sz="2400" dirty="0"/>
+              <a:t>포인트명</a:t>
+            </a:r>
+            <a:r>
+              <a:rPr lang="en-US" altLang="ko-KR" sz="2400" dirty="0"/>
+              <a:t>;</a:t>
+            </a:r>
+          </a:p>
+          <a:p>
+            <a:pPr marL="800100" lvl="1" indent="-342900">
+              <a:lnSpc>
+                <a:spcPct val="150000"/>
+              </a:lnSpc>
+              <a:buFont typeface="Arial" panose="020B0604020202020204" pitchFamily="34" charset="0"/>
+              <a:buChar char="•"/>
+            </a:pPr>
+            <a:r>
+              <a:rPr lang="en-US" altLang="ko-KR" sz="2400" dirty="0"/>
+              <a:t>Rollback </a:t>
+            </a:r>
+            <a:r>
+              <a:rPr lang="ko-KR" altLang="en-US" sz="2400" dirty="0"/>
               <a:t>포인트명</a:t>
             </a:r>
             <a:r>
@@ -10014,13 +10020,8 @@
           <a:p>
             <a:r>
               <a:rPr lang="en-US" altLang="ko-KR" dirty="0"/>
-              <a:t>T</a:t>
-            </a:r>
-            <a:r>
-              <a:rPr lang="en-US" altLang="ko-KR" dirty="0" smtClean="0"/>
-              <a:t>CL (Transaction Control Language)</a:t>
-            </a:r>
-            <a:endParaRPr lang="en-US" altLang="ko-KR" dirty="0"/>
+              <a:t>TCL (Transaction Control Language)</a:t>
+            </a:r>
           </a:p>
         </p:txBody>
       </p:sp>
@@ -10089,7 +10090,7 @@
               <a:buNone/>
             </a:pPr>
             <a:r>
-              <a:rPr lang="en-US" altLang="ko-KR" b="1" dirty="0" smtClean="0">
+              <a:rPr lang="en-US" altLang="ko-KR" b="1" dirty="0">
                 <a:solidFill>
                   <a:srgbClr val="FFFFFF"/>
                 </a:solidFill>
@@ -10097,7 +10098,7 @@
               <a:t>SQL</a:t>
             </a:r>
             <a:r>
-              <a:rPr lang="ko-KR" altLang="en-US" b="1" dirty="0" smtClean="0">
+              <a:rPr lang="ko-KR" altLang="en-US" b="1" dirty="0">
                 <a:solidFill>
                   <a:srgbClr val="FFFFFF"/>
                 </a:solidFill>
@@ -10162,11 +10163,7 @@
             </a:r>
             <a:r>
               <a:rPr lang="ko-KR" altLang="en-US" sz="2800" dirty="0"/>
-              <a:t>종류에 관계 없이 공통으로 사용할 수 있도록 만든 </a:t>
-            </a:r>
-            <a:r>
-              <a:rPr lang="ko-KR" altLang="en-US" sz="2800" dirty="0" smtClean="0"/>
-              <a:t>언어</a:t>
+              <a:t>종류에 관계 없이 공통으로 사용할 수 있도록 만든 언어</a:t>
             </a:r>
             <a:endParaRPr lang="en-US" altLang="ko-KR" sz="2800" dirty="0"/>
           </a:p>
@@ -10232,7 +10229,7 @@
               <a:buNone/>
             </a:pPr>
             <a:r>
-              <a:rPr lang="en-US" altLang="ko-KR" b="1" dirty="0" smtClean="0">
+              <a:rPr lang="en-US" altLang="ko-KR" b="1" dirty="0">
                 <a:solidFill>
                   <a:srgbClr val="FFFFFF"/>
                 </a:solidFill>
@@ -10240,7 +10237,7 @@
               <a:t>SQL</a:t>
             </a:r>
             <a:r>
-              <a:rPr lang="ko-KR" altLang="en-US" b="1" dirty="0" smtClean="0">
+              <a:rPr lang="ko-KR" altLang="en-US" b="1" dirty="0">
                 <a:solidFill>
                   <a:srgbClr val="FFFFFF"/>
                 </a:solidFill>
@@ -10634,7 +10631,7 @@
               <a:buNone/>
             </a:pPr>
             <a:r>
-              <a:rPr lang="en-US" altLang="ko-KR" b="1" dirty="0" smtClean="0">
+              <a:rPr lang="en-US" altLang="ko-KR" b="1" dirty="0">
                 <a:solidFill>
                   <a:srgbClr val="FFFFFF"/>
                 </a:solidFill>
@@ -10642,7 +10639,7 @@
               <a:t>SQL</a:t>
             </a:r>
             <a:r>
-              <a:rPr lang="ko-KR" altLang="en-US" b="1" dirty="0" smtClean="0">
+              <a:rPr lang="ko-KR" altLang="en-US" b="1" dirty="0">
                 <a:solidFill>
                   <a:srgbClr val="FFFFFF"/>
                 </a:solidFill>
@@ -10831,10 +10828,9 @@
           <a:lstStyle/>
           <a:p>
             <a:r>
-              <a:rPr lang="en-US" altLang="ko-KR" dirty="0" smtClean="0"/>
+              <a:rPr lang="en-US" altLang="ko-KR" dirty="0"/>
               <a:t>DDL (Data Definition Language)</a:t>
             </a:r>
-            <a:endParaRPr lang="en-US" altLang="ko-KR" dirty="0"/>
           </a:p>
         </p:txBody>
       </p:sp>
@@ -10903,7 +10899,7 @@
               <a:buNone/>
             </a:pPr>
             <a:r>
-              <a:rPr lang="en-US" altLang="ko-KR" b="1" dirty="0" smtClean="0">
+              <a:rPr lang="en-US" altLang="ko-KR" b="1" dirty="0">
                 <a:solidFill>
                   <a:srgbClr val="FFFFFF"/>
                 </a:solidFill>
@@ -10911,7 +10907,7 @@
               <a:t>SQL</a:t>
             </a:r>
             <a:r>
-              <a:rPr lang="ko-KR" altLang="en-US" b="1" dirty="0" smtClean="0">
+              <a:rPr lang="ko-KR" altLang="en-US" b="1" dirty="0">
                 <a:solidFill>
                   <a:srgbClr val="FFFFFF"/>
                 </a:solidFill>
@@ -11066,10 +11062,9 @@
           <a:lstStyle/>
           <a:p>
             <a:r>
-              <a:rPr lang="en-US" altLang="ko-KR" dirty="0" smtClean="0"/>
+              <a:rPr lang="en-US" altLang="ko-KR" dirty="0"/>
               <a:t>DDL (Data Definition Language)</a:t>
             </a:r>
-            <a:endParaRPr lang="en-US" altLang="ko-KR" dirty="0"/>
           </a:p>
         </p:txBody>
       </p:sp>
@@ -11138,7 +11133,7 @@
               <a:buNone/>
             </a:pPr>
             <a:r>
-              <a:rPr lang="en-US" altLang="ko-KR" b="1" dirty="0" smtClean="0">
+              <a:rPr lang="en-US" altLang="ko-KR" b="1" dirty="0">
                 <a:solidFill>
                   <a:srgbClr val="FFFFFF"/>
                 </a:solidFill>
@@ -11146,7 +11141,7 @@
               <a:t>SQL</a:t>
             </a:r>
             <a:r>
-              <a:rPr lang="ko-KR" altLang="en-US" b="1" dirty="0" smtClean="0">
+              <a:rPr lang="ko-KR" altLang="en-US" b="1" dirty="0">
                 <a:solidFill>
                   <a:srgbClr val="FFFFFF"/>
                 </a:solidFill>
@@ -11278,10 +11273,9 @@
           <a:lstStyle/>
           <a:p>
             <a:r>
-              <a:rPr lang="en-US" altLang="ko-KR" dirty="0" smtClean="0"/>
+              <a:rPr lang="en-US" altLang="ko-KR" dirty="0"/>
               <a:t>DDL (Data Definition Language)</a:t>
             </a:r>
-            <a:endParaRPr lang="en-US" altLang="ko-KR" dirty="0"/>
           </a:p>
         </p:txBody>
       </p:sp>
@@ -11350,7 +11344,7 @@
               <a:buNone/>
             </a:pPr>
             <a:r>
-              <a:rPr lang="en-US" altLang="ko-KR" b="1" dirty="0" smtClean="0">
+              <a:rPr lang="en-US" altLang="ko-KR" b="1" dirty="0">
                 <a:solidFill>
                   <a:srgbClr val="FFFFFF"/>
                 </a:solidFill>
@@ -11358,7 +11352,7 @@
               <a:t>SQL</a:t>
             </a:r>
             <a:r>
-              <a:rPr lang="ko-KR" altLang="en-US" b="1" dirty="0" smtClean="0">
+              <a:rPr lang="ko-KR" altLang="en-US" b="1" dirty="0">
                 <a:solidFill>
                   <a:srgbClr val="FFFFFF"/>
                 </a:solidFill>
@@ -11516,10 +11510,9 @@
           <a:lstStyle/>
           <a:p>
             <a:r>
-              <a:rPr lang="en-US" altLang="ko-KR" dirty="0" smtClean="0"/>
+              <a:rPr lang="en-US" altLang="ko-KR" dirty="0"/>
               <a:t>DDL (Data Definition Language)</a:t>
             </a:r>
-            <a:endParaRPr lang="en-US" altLang="ko-KR" dirty="0"/>
           </a:p>
         </p:txBody>
       </p:sp>
@@ -11588,7 +11581,7 @@
               <a:buNone/>
             </a:pPr>
             <a:r>
-              <a:rPr lang="en-US" altLang="ko-KR" b="1" dirty="0" smtClean="0">
+              <a:rPr lang="en-US" altLang="ko-KR" b="1" dirty="0">
                 <a:solidFill>
                   <a:srgbClr val="FFFFFF"/>
                 </a:solidFill>
@@ -11596,7 +11589,7 @@
               <a:t>SQL</a:t>
             </a:r>
             <a:r>
-              <a:rPr lang="ko-KR" altLang="en-US" b="1" dirty="0" smtClean="0">
+              <a:rPr lang="ko-KR" altLang="en-US" b="1" dirty="0">
                 <a:solidFill>
                   <a:srgbClr val="FFFFFF"/>
                 </a:solidFill>
@@ -11734,10 +11727,9 @@
           <a:lstStyle/>
           <a:p>
             <a:r>
-              <a:rPr lang="en-US" altLang="ko-KR" dirty="0" smtClean="0"/>
+              <a:rPr lang="en-US" altLang="ko-KR" dirty="0"/>
               <a:t>DDL (Data Definition Language)</a:t>
             </a:r>
-            <a:endParaRPr lang="en-US" altLang="ko-KR" dirty="0"/>
           </a:p>
         </p:txBody>
       </p:sp>
@@ -11806,7 +11798,7 @@
               <a:buNone/>
             </a:pPr>
             <a:r>
-              <a:rPr lang="en-US" altLang="ko-KR" b="1" dirty="0" smtClean="0">
+              <a:rPr lang="en-US" altLang="ko-KR" b="1" dirty="0">
                 <a:solidFill>
                   <a:srgbClr val="FFFFFF"/>
                 </a:solidFill>
@@ -11814,7 +11806,7 @@
               <a:t>SQL</a:t>
             </a:r>
             <a:r>
-              <a:rPr lang="ko-KR" altLang="en-US" b="1" dirty="0" smtClean="0">
+              <a:rPr lang="ko-KR" altLang="en-US" b="1" dirty="0">
                 <a:solidFill>
                   <a:srgbClr val="FFFFFF"/>
                 </a:solidFill>
@@ -11990,10 +11982,9 @@
           <a:lstStyle/>
           <a:p>
             <a:r>
-              <a:rPr lang="en-US" altLang="ko-KR" dirty="0" smtClean="0"/>
+              <a:rPr lang="en-US" altLang="ko-KR" dirty="0"/>
               <a:t>DML (Data Manipulation Language)</a:t>
             </a:r>
-            <a:endParaRPr lang="en-US" altLang="ko-KR" dirty="0"/>
           </a:p>
         </p:txBody>
       </p:sp>
